--- a/ppt 16-9/0157.旷野不再荒凉.pptx
+++ b/ppt 16-9/0157.旷野不再荒凉.pptx
@@ -5,7 +5,7 @@
     <p:sldMasterId id="2147483648" r:id="rId1"/>
   </p:sldMasterIdLst>
   <p:sldIdLst>
-    <p:sldId id="2745" r:id="rId2"/>
+    <p:sldId id="2747" r:id="rId2"/>
   </p:sldIdLst>
   <p:sldSz cx="12192000" cy="6858000"/>
   <p:notesSz cx="6858000" cy="9144000"/>
@@ -129,7 +129,7 @@
           <p:cNvPr id="2" name="标题 1">
             <a:extLst>
               <a:ext uri="{FF2B5EF4-FFF2-40B4-BE49-F238E27FC236}">
-                <a16:creationId xmlns:a16="http://schemas.microsoft.com/office/drawing/2014/main" id="{A975EF36-661C-A85B-F7BA-8A1D7191D239}"/>
+                <a16:creationId xmlns:a16="http://schemas.microsoft.com/office/drawing/2014/main" id="{D74D6289-3DA6-74F3-D759-4A3038BB3C3C}"/>
               </a:ext>
             </a:extLst>
           </p:cNvPr>
@@ -166,7 +166,7 @@
           <p:cNvPr id="3" name="副标题 2">
             <a:extLst>
               <a:ext uri="{FF2B5EF4-FFF2-40B4-BE49-F238E27FC236}">
-                <a16:creationId xmlns:a16="http://schemas.microsoft.com/office/drawing/2014/main" id="{05A8A86C-DC96-242D-703B-E1FFCCBFFE62}"/>
+                <a16:creationId xmlns:a16="http://schemas.microsoft.com/office/drawing/2014/main" id="{133070A6-4394-89C4-76C9-6E39BA438C2A}"/>
               </a:ext>
             </a:extLst>
           </p:cNvPr>
@@ -236,7 +236,7 @@
           <p:cNvPr id="4" name="日期占位符 3">
             <a:extLst>
               <a:ext uri="{FF2B5EF4-FFF2-40B4-BE49-F238E27FC236}">
-                <a16:creationId xmlns:a16="http://schemas.microsoft.com/office/drawing/2014/main" id="{FD9D7346-9928-8F36-3146-A91E24739561}"/>
+                <a16:creationId xmlns:a16="http://schemas.microsoft.com/office/drawing/2014/main" id="{E15A838D-06BD-B335-C99F-B22D60039715}"/>
               </a:ext>
             </a:extLst>
           </p:cNvPr>
@@ -252,7 +252,7 @@
           <a:bodyPr/>
           <a:lstStyle/>
           <a:p>
-            <a:fld id="{0F6E59EC-6437-4B61-9338-DFA6B1684E34}" type="datetimeFigureOut">
+            <a:fld id="{D7424BF4-61CA-4629-B34C-52E3A6419D1F}" type="datetimeFigureOut">
               <a:rPr lang="zh-CN" altLang="en-US" smtClean="0"/>
               <a:t>2024/3/10</a:t>
             </a:fld>
@@ -265,7 +265,7 @@
           <p:cNvPr id="5" name="页脚占位符 4">
             <a:extLst>
               <a:ext uri="{FF2B5EF4-FFF2-40B4-BE49-F238E27FC236}">
-                <a16:creationId xmlns:a16="http://schemas.microsoft.com/office/drawing/2014/main" id="{385C1165-1927-2D6C-5267-09EFD7E70A51}"/>
+                <a16:creationId xmlns:a16="http://schemas.microsoft.com/office/drawing/2014/main" id="{8127678F-EEC4-44D3-10E4-6110C103330A}"/>
               </a:ext>
             </a:extLst>
           </p:cNvPr>
@@ -290,7 +290,7 @@
           <p:cNvPr id="6" name="灯片编号占位符 5">
             <a:extLst>
               <a:ext uri="{FF2B5EF4-FFF2-40B4-BE49-F238E27FC236}">
-                <a16:creationId xmlns:a16="http://schemas.microsoft.com/office/drawing/2014/main" id="{F90438F2-C73A-548A-231A-514773AF8282}"/>
+                <a16:creationId xmlns:a16="http://schemas.microsoft.com/office/drawing/2014/main" id="{BFE5F3CC-6F7E-74D3-4EE3-8656D290A967}"/>
               </a:ext>
             </a:extLst>
           </p:cNvPr>
@@ -306,7 +306,7 @@
           <a:bodyPr/>
           <a:lstStyle/>
           <a:p>
-            <a:fld id="{21E4CAB5-117D-4416-AA7E-86ED5E6BA50F}" type="slidenum">
+            <a:fld id="{8246D280-2691-4FE7-820E-1F6062C7DD9D}" type="slidenum">
               <a:rPr lang="zh-CN" altLang="en-US" smtClean="0"/>
               <a:t>‹#›</a:t>
             </a:fld>
@@ -317,7 +317,7 @@
     </p:spTree>
     <p:extLst>
       <p:ext uri="{BB962C8B-B14F-4D97-AF65-F5344CB8AC3E}">
-        <p14:creationId xmlns:p14="http://schemas.microsoft.com/office/powerpoint/2010/main" val="2734201940"/>
+        <p14:creationId xmlns:p14="http://schemas.microsoft.com/office/powerpoint/2010/main" val="1557532914"/>
       </p:ext>
     </p:extLst>
   </p:cSld>
@@ -349,7 +349,7 @@
           <p:cNvPr id="2" name="标题 1">
             <a:extLst>
               <a:ext uri="{FF2B5EF4-FFF2-40B4-BE49-F238E27FC236}">
-                <a16:creationId xmlns:a16="http://schemas.microsoft.com/office/drawing/2014/main" id="{2A41383A-5C98-A142-F1E5-71589E6953D5}"/>
+                <a16:creationId xmlns:a16="http://schemas.microsoft.com/office/drawing/2014/main" id="{50636938-B583-1ABF-573F-847304C4857B}"/>
               </a:ext>
             </a:extLst>
           </p:cNvPr>
@@ -377,7 +377,7 @@
           <p:cNvPr id="3" name="竖排文字占位符 2">
             <a:extLst>
               <a:ext uri="{FF2B5EF4-FFF2-40B4-BE49-F238E27FC236}">
-                <a16:creationId xmlns:a16="http://schemas.microsoft.com/office/drawing/2014/main" id="{B756953C-9994-6543-C646-B81BC55E3B85}"/>
+                <a16:creationId xmlns:a16="http://schemas.microsoft.com/office/drawing/2014/main" id="{FCA76246-1DD7-19BD-7B8A-B304315E68A7}"/>
               </a:ext>
             </a:extLst>
           </p:cNvPr>
@@ -434,7 +434,7 @@
           <p:cNvPr id="4" name="日期占位符 3">
             <a:extLst>
               <a:ext uri="{FF2B5EF4-FFF2-40B4-BE49-F238E27FC236}">
-                <a16:creationId xmlns:a16="http://schemas.microsoft.com/office/drawing/2014/main" id="{B8D4ED9C-A526-3B15-5360-2527C59A79FE}"/>
+                <a16:creationId xmlns:a16="http://schemas.microsoft.com/office/drawing/2014/main" id="{648D8160-01E6-A8D0-8C7E-89A296811F91}"/>
               </a:ext>
             </a:extLst>
           </p:cNvPr>
@@ -450,7 +450,7 @@
           <a:bodyPr/>
           <a:lstStyle/>
           <a:p>
-            <a:fld id="{0F6E59EC-6437-4B61-9338-DFA6B1684E34}" type="datetimeFigureOut">
+            <a:fld id="{D7424BF4-61CA-4629-B34C-52E3A6419D1F}" type="datetimeFigureOut">
               <a:rPr lang="zh-CN" altLang="en-US" smtClean="0"/>
               <a:t>2024/3/10</a:t>
             </a:fld>
@@ -463,7 +463,7 @@
           <p:cNvPr id="5" name="页脚占位符 4">
             <a:extLst>
               <a:ext uri="{FF2B5EF4-FFF2-40B4-BE49-F238E27FC236}">
-                <a16:creationId xmlns:a16="http://schemas.microsoft.com/office/drawing/2014/main" id="{750A4C92-8276-31A0-2F0C-0208CF95C62C}"/>
+                <a16:creationId xmlns:a16="http://schemas.microsoft.com/office/drawing/2014/main" id="{CAC22472-BF97-D2FA-A4DE-697DDD77522A}"/>
               </a:ext>
             </a:extLst>
           </p:cNvPr>
@@ -488,7 +488,7 @@
           <p:cNvPr id="6" name="灯片编号占位符 5">
             <a:extLst>
               <a:ext uri="{FF2B5EF4-FFF2-40B4-BE49-F238E27FC236}">
-                <a16:creationId xmlns:a16="http://schemas.microsoft.com/office/drawing/2014/main" id="{7C3E897A-F57B-003C-79AB-C48BE5706C2A}"/>
+                <a16:creationId xmlns:a16="http://schemas.microsoft.com/office/drawing/2014/main" id="{6EB8744D-3B80-892D-44B9-5432948E1FCC}"/>
               </a:ext>
             </a:extLst>
           </p:cNvPr>
@@ -504,7 +504,7 @@
           <a:bodyPr/>
           <a:lstStyle/>
           <a:p>
-            <a:fld id="{21E4CAB5-117D-4416-AA7E-86ED5E6BA50F}" type="slidenum">
+            <a:fld id="{8246D280-2691-4FE7-820E-1F6062C7DD9D}" type="slidenum">
               <a:rPr lang="zh-CN" altLang="en-US" smtClean="0"/>
               <a:t>‹#›</a:t>
             </a:fld>
@@ -515,7 +515,7 @@
     </p:spTree>
     <p:extLst>
       <p:ext uri="{BB962C8B-B14F-4D97-AF65-F5344CB8AC3E}">
-        <p14:creationId xmlns:p14="http://schemas.microsoft.com/office/powerpoint/2010/main" val="98236471"/>
+        <p14:creationId xmlns:p14="http://schemas.microsoft.com/office/powerpoint/2010/main" val="358761964"/>
       </p:ext>
     </p:extLst>
   </p:cSld>
@@ -547,7 +547,7 @@
           <p:cNvPr id="2" name="竖排标题 1">
             <a:extLst>
               <a:ext uri="{FF2B5EF4-FFF2-40B4-BE49-F238E27FC236}">
-                <a16:creationId xmlns:a16="http://schemas.microsoft.com/office/drawing/2014/main" id="{044007A5-6141-42C8-D252-3C992108A666}"/>
+                <a16:creationId xmlns:a16="http://schemas.microsoft.com/office/drawing/2014/main" id="{D3E950DA-7364-A303-30B4-8BAA88C2C27D}"/>
               </a:ext>
             </a:extLst>
           </p:cNvPr>
@@ -580,7 +580,7 @@
           <p:cNvPr id="3" name="竖排文字占位符 2">
             <a:extLst>
               <a:ext uri="{FF2B5EF4-FFF2-40B4-BE49-F238E27FC236}">
-                <a16:creationId xmlns:a16="http://schemas.microsoft.com/office/drawing/2014/main" id="{B65D1A0A-01C5-863A-EFDD-85C270690AB4}"/>
+                <a16:creationId xmlns:a16="http://schemas.microsoft.com/office/drawing/2014/main" id="{FDCE77D2-7F4C-24AD-DB12-2049026141FE}"/>
               </a:ext>
             </a:extLst>
           </p:cNvPr>
@@ -642,7 +642,7 @@
           <p:cNvPr id="4" name="日期占位符 3">
             <a:extLst>
               <a:ext uri="{FF2B5EF4-FFF2-40B4-BE49-F238E27FC236}">
-                <a16:creationId xmlns:a16="http://schemas.microsoft.com/office/drawing/2014/main" id="{8AE6F196-8626-80BE-B0EB-E1A8AE27870A}"/>
+                <a16:creationId xmlns:a16="http://schemas.microsoft.com/office/drawing/2014/main" id="{927FD963-D486-7C30-67E1-0B686E9081D4}"/>
               </a:ext>
             </a:extLst>
           </p:cNvPr>
@@ -658,7 +658,7 @@
           <a:bodyPr/>
           <a:lstStyle/>
           <a:p>
-            <a:fld id="{0F6E59EC-6437-4B61-9338-DFA6B1684E34}" type="datetimeFigureOut">
+            <a:fld id="{D7424BF4-61CA-4629-B34C-52E3A6419D1F}" type="datetimeFigureOut">
               <a:rPr lang="zh-CN" altLang="en-US" smtClean="0"/>
               <a:t>2024/3/10</a:t>
             </a:fld>
@@ -671,7 +671,7 @@
           <p:cNvPr id="5" name="页脚占位符 4">
             <a:extLst>
               <a:ext uri="{FF2B5EF4-FFF2-40B4-BE49-F238E27FC236}">
-                <a16:creationId xmlns:a16="http://schemas.microsoft.com/office/drawing/2014/main" id="{4A469504-1A1C-C38B-9926-2FDE3070EF6C}"/>
+                <a16:creationId xmlns:a16="http://schemas.microsoft.com/office/drawing/2014/main" id="{947E8CAD-2C47-0431-4130-D04E0CF6B42C}"/>
               </a:ext>
             </a:extLst>
           </p:cNvPr>
@@ -696,7 +696,7 @@
           <p:cNvPr id="6" name="灯片编号占位符 5">
             <a:extLst>
               <a:ext uri="{FF2B5EF4-FFF2-40B4-BE49-F238E27FC236}">
-                <a16:creationId xmlns:a16="http://schemas.microsoft.com/office/drawing/2014/main" id="{FC255746-D677-6EF4-65D5-C9A2C426EB8C}"/>
+                <a16:creationId xmlns:a16="http://schemas.microsoft.com/office/drawing/2014/main" id="{E21A73D5-5CB9-7FDA-3B2B-7004364CE33E}"/>
               </a:ext>
             </a:extLst>
           </p:cNvPr>
@@ -712,7 +712,7 @@
           <a:bodyPr/>
           <a:lstStyle/>
           <a:p>
-            <a:fld id="{21E4CAB5-117D-4416-AA7E-86ED5E6BA50F}" type="slidenum">
+            <a:fld id="{8246D280-2691-4FE7-820E-1F6062C7DD9D}" type="slidenum">
               <a:rPr lang="zh-CN" altLang="en-US" smtClean="0"/>
               <a:t>‹#›</a:t>
             </a:fld>
@@ -723,7 +723,7 @@
     </p:spTree>
     <p:extLst>
       <p:ext uri="{BB962C8B-B14F-4D97-AF65-F5344CB8AC3E}">
-        <p14:creationId xmlns:p14="http://schemas.microsoft.com/office/powerpoint/2010/main" val="3923216229"/>
+        <p14:creationId xmlns:p14="http://schemas.microsoft.com/office/powerpoint/2010/main" val="118506803"/>
       </p:ext>
     </p:extLst>
   </p:cSld>
@@ -755,7 +755,7 @@
           <p:cNvPr id="2" name="标题 1">
             <a:extLst>
               <a:ext uri="{FF2B5EF4-FFF2-40B4-BE49-F238E27FC236}">
-                <a16:creationId xmlns:a16="http://schemas.microsoft.com/office/drawing/2014/main" id="{D82195E0-0A4D-71E4-B79B-42D737630223}"/>
+                <a16:creationId xmlns:a16="http://schemas.microsoft.com/office/drawing/2014/main" id="{8FDB69DE-749B-9D47-8617-0F415A5ECBFE}"/>
               </a:ext>
             </a:extLst>
           </p:cNvPr>
@@ -783,7 +783,7 @@
           <p:cNvPr id="3" name="内容占位符 2">
             <a:extLst>
               <a:ext uri="{FF2B5EF4-FFF2-40B4-BE49-F238E27FC236}">
-                <a16:creationId xmlns:a16="http://schemas.microsoft.com/office/drawing/2014/main" id="{1FF2E54B-E12F-5837-7D10-1EE928299ABE}"/>
+                <a16:creationId xmlns:a16="http://schemas.microsoft.com/office/drawing/2014/main" id="{27182612-54CB-3A10-907D-45A76B4BA829}"/>
               </a:ext>
             </a:extLst>
           </p:cNvPr>
@@ -840,7 +840,7 @@
           <p:cNvPr id="4" name="日期占位符 3">
             <a:extLst>
               <a:ext uri="{FF2B5EF4-FFF2-40B4-BE49-F238E27FC236}">
-                <a16:creationId xmlns:a16="http://schemas.microsoft.com/office/drawing/2014/main" id="{D736B5DC-6AFC-0706-7CAE-919CBB0B1617}"/>
+                <a16:creationId xmlns:a16="http://schemas.microsoft.com/office/drawing/2014/main" id="{B791D914-11E2-4F8E-02A8-83FEFE7EFECC}"/>
               </a:ext>
             </a:extLst>
           </p:cNvPr>
@@ -856,7 +856,7 @@
           <a:bodyPr/>
           <a:lstStyle/>
           <a:p>
-            <a:fld id="{0F6E59EC-6437-4B61-9338-DFA6B1684E34}" type="datetimeFigureOut">
+            <a:fld id="{D7424BF4-61CA-4629-B34C-52E3A6419D1F}" type="datetimeFigureOut">
               <a:rPr lang="zh-CN" altLang="en-US" smtClean="0"/>
               <a:t>2024/3/10</a:t>
             </a:fld>
@@ -869,7 +869,7 @@
           <p:cNvPr id="5" name="页脚占位符 4">
             <a:extLst>
               <a:ext uri="{FF2B5EF4-FFF2-40B4-BE49-F238E27FC236}">
-                <a16:creationId xmlns:a16="http://schemas.microsoft.com/office/drawing/2014/main" id="{9A76F705-F0B3-7E7E-45BF-E2F153D1D261}"/>
+                <a16:creationId xmlns:a16="http://schemas.microsoft.com/office/drawing/2014/main" id="{D821CDD1-3F56-A347-8833-1737086BA601}"/>
               </a:ext>
             </a:extLst>
           </p:cNvPr>
@@ -894,7 +894,7 @@
           <p:cNvPr id="6" name="灯片编号占位符 5">
             <a:extLst>
               <a:ext uri="{FF2B5EF4-FFF2-40B4-BE49-F238E27FC236}">
-                <a16:creationId xmlns:a16="http://schemas.microsoft.com/office/drawing/2014/main" id="{79128CB4-6D20-822B-641B-81696A21568C}"/>
+                <a16:creationId xmlns:a16="http://schemas.microsoft.com/office/drawing/2014/main" id="{5A40BB29-0A9F-5C5A-90C7-243AB7462D7C}"/>
               </a:ext>
             </a:extLst>
           </p:cNvPr>
@@ -910,7 +910,7 @@
           <a:bodyPr/>
           <a:lstStyle/>
           <a:p>
-            <a:fld id="{21E4CAB5-117D-4416-AA7E-86ED5E6BA50F}" type="slidenum">
+            <a:fld id="{8246D280-2691-4FE7-820E-1F6062C7DD9D}" type="slidenum">
               <a:rPr lang="zh-CN" altLang="en-US" smtClean="0"/>
               <a:t>‹#›</a:t>
             </a:fld>
@@ -921,7 +921,7 @@
     </p:spTree>
     <p:extLst>
       <p:ext uri="{BB962C8B-B14F-4D97-AF65-F5344CB8AC3E}">
-        <p14:creationId xmlns:p14="http://schemas.microsoft.com/office/powerpoint/2010/main" val="3282791016"/>
+        <p14:creationId xmlns:p14="http://schemas.microsoft.com/office/powerpoint/2010/main" val="1792837113"/>
       </p:ext>
     </p:extLst>
   </p:cSld>
@@ -953,7 +953,7 @@
           <p:cNvPr id="2" name="标题 1">
             <a:extLst>
               <a:ext uri="{FF2B5EF4-FFF2-40B4-BE49-F238E27FC236}">
-                <a16:creationId xmlns:a16="http://schemas.microsoft.com/office/drawing/2014/main" id="{4BEB6A2A-91EF-A378-06E1-EAC98C9C3257}"/>
+                <a16:creationId xmlns:a16="http://schemas.microsoft.com/office/drawing/2014/main" id="{BDC58DD9-922A-00CB-FAE2-9ABC7E33FF58}"/>
               </a:ext>
             </a:extLst>
           </p:cNvPr>
@@ -990,7 +990,7 @@
           <p:cNvPr id="3" name="文本占位符 2">
             <a:extLst>
               <a:ext uri="{FF2B5EF4-FFF2-40B4-BE49-F238E27FC236}">
-                <a16:creationId xmlns:a16="http://schemas.microsoft.com/office/drawing/2014/main" id="{CCA72CD2-F5E3-6705-691E-E0F59DCF2266}"/>
+                <a16:creationId xmlns:a16="http://schemas.microsoft.com/office/drawing/2014/main" id="{E01611E6-129B-B876-E7E9-371F19F70AB3}"/>
               </a:ext>
             </a:extLst>
           </p:cNvPr>
@@ -1115,7 +1115,7 @@
           <p:cNvPr id="4" name="日期占位符 3">
             <a:extLst>
               <a:ext uri="{FF2B5EF4-FFF2-40B4-BE49-F238E27FC236}">
-                <a16:creationId xmlns:a16="http://schemas.microsoft.com/office/drawing/2014/main" id="{8D0E9524-3E53-55BE-EF03-AEAF315BA15F}"/>
+                <a16:creationId xmlns:a16="http://schemas.microsoft.com/office/drawing/2014/main" id="{F2DA3D45-9C9B-5813-32DE-C5514E2BC97A}"/>
               </a:ext>
             </a:extLst>
           </p:cNvPr>
@@ -1131,7 +1131,7 @@
           <a:bodyPr/>
           <a:lstStyle/>
           <a:p>
-            <a:fld id="{0F6E59EC-6437-4B61-9338-DFA6B1684E34}" type="datetimeFigureOut">
+            <a:fld id="{D7424BF4-61CA-4629-B34C-52E3A6419D1F}" type="datetimeFigureOut">
               <a:rPr lang="zh-CN" altLang="en-US" smtClean="0"/>
               <a:t>2024/3/10</a:t>
             </a:fld>
@@ -1144,7 +1144,7 @@
           <p:cNvPr id="5" name="页脚占位符 4">
             <a:extLst>
               <a:ext uri="{FF2B5EF4-FFF2-40B4-BE49-F238E27FC236}">
-                <a16:creationId xmlns:a16="http://schemas.microsoft.com/office/drawing/2014/main" id="{72089856-625D-6D72-EB2F-F6C2E548C7ED}"/>
+                <a16:creationId xmlns:a16="http://schemas.microsoft.com/office/drawing/2014/main" id="{EF3E5362-332A-AA12-AF34-D08D7D4B460A}"/>
               </a:ext>
             </a:extLst>
           </p:cNvPr>
@@ -1169,7 +1169,7 @@
           <p:cNvPr id="6" name="灯片编号占位符 5">
             <a:extLst>
               <a:ext uri="{FF2B5EF4-FFF2-40B4-BE49-F238E27FC236}">
-                <a16:creationId xmlns:a16="http://schemas.microsoft.com/office/drawing/2014/main" id="{37C2FFFB-3282-2A0A-07E2-EF5CE2623ABF}"/>
+                <a16:creationId xmlns:a16="http://schemas.microsoft.com/office/drawing/2014/main" id="{D1D7A1EC-90A3-80B7-B64C-5314399A2CA7}"/>
               </a:ext>
             </a:extLst>
           </p:cNvPr>
@@ -1185,7 +1185,7 @@
           <a:bodyPr/>
           <a:lstStyle/>
           <a:p>
-            <a:fld id="{21E4CAB5-117D-4416-AA7E-86ED5E6BA50F}" type="slidenum">
+            <a:fld id="{8246D280-2691-4FE7-820E-1F6062C7DD9D}" type="slidenum">
               <a:rPr lang="zh-CN" altLang="en-US" smtClean="0"/>
               <a:t>‹#›</a:t>
             </a:fld>
@@ -1196,7 +1196,7 @@
     </p:spTree>
     <p:extLst>
       <p:ext uri="{BB962C8B-B14F-4D97-AF65-F5344CB8AC3E}">
-        <p14:creationId xmlns:p14="http://schemas.microsoft.com/office/powerpoint/2010/main" val="2302658151"/>
+        <p14:creationId xmlns:p14="http://schemas.microsoft.com/office/powerpoint/2010/main" val="999766075"/>
       </p:ext>
     </p:extLst>
   </p:cSld>
@@ -1228,7 +1228,7 @@
           <p:cNvPr id="2" name="标题 1">
             <a:extLst>
               <a:ext uri="{FF2B5EF4-FFF2-40B4-BE49-F238E27FC236}">
-                <a16:creationId xmlns:a16="http://schemas.microsoft.com/office/drawing/2014/main" id="{A45EEF05-E81F-7AC5-2577-0D0EF23BDD86}"/>
+                <a16:creationId xmlns:a16="http://schemas.microsoft.com/office/drawing/2014/main" id="{CD534319-BBA5-AAD8-9240-25BB8A126289}"/>
               </a:ext>
             </a:extLst>
           </p:cNvPr>
@@ -1256,7 +1256,7 @@
           <p:cNvPr id="3" name="内容占位符 2">
             <a:extLst>
               <a:ext uri="{FF2B5EF4-FFF2-40B4-BE49-F238E27FC236}">
-                <a16:creationId xmlns:a16="http://schemas.microsoft.com/office/drawing/2014/main" id="{2EA544D3-5807-2C3E-2D56-27B2584E4DC6}"/>
+                <a16:creationId xmlns:a16="http://schemas.microsoft.com/office/drawing/2014/main" id="{0B0F288A-8AE9-6FF4-8C43-EDD4B6912C65}"/>
               </a:ext>
             </a:extLst>
           </p:cNvPr>
@@ -1318,7 +1318,7 @@
           <p:cNvPr id="4" name="内容占位符 3">
             <a:extLst>
               <a:ext uri="{FF2B5EF4-FFF2-40B4-BE49-F238E27FC236}">
-                <a16:creationId xmlns:a16="http://schemas.microsoft.com/office/drawing/2014/main" id="{79586937-E08A-C41D-D158-1DC1662B7AB8}"/>
+                <a16:creationId xmlns:a16="http://schemas.microsoft.com/office/drawing/2014/main" id="{948F03E7-3857-A0BE-ED04-5D54FDA9282D}"/>
               </a:ext>
             </a:extLst>
           </p:cNvPr>
@@ -1380,7 +1380,7 @@
           <p:cNvPr id="5" name="日期占位符 4">
             <a:extLst>
               <a:ext uri="{FF2B5EF4-FFF2-40B4-BE49-F238E27FC236}">
-                <a16:creationId xmlns:a16="http://schemas.microsoft.com/office/drawing/2014/main" id="{CEB63F08-86D9-EB94-6943-0354B6F67E86}"/>
+                <a16:creationId xmlns:a16="http://schemas.microsoft.com/office/drawing/2014/main" id="{730F1BA8-1F70-54C8-218D-C307AB741092}"/>
               </a:ext>
             </a:extLst>
           </p:cNvPr>
@@ -1396,7 +1396,7 @@
           <a:bodyPr/>
           <a:lstStyle/>
           <a:p>
-            <a:fld id="{0F6E59EC-6437-4B61-9338-DFA6B1684E34}" type="datetimeFigureOut">
+            <a:fld id="{D7424BF4-61CA-4629-B34C-52E3A6419D1F}" type="datetimeFigureOut">
               <a:rPr lang="zh-CN" altLang="en-US" smtClean="0"/>
               <a:t>2024/3/10</a:t>
             </a:fld>
@@ -1409,7 +1409,7 @@
           <p:cNvPr id="6" name="页脚占位符 5">
             <a:extLst>
               <a:ext uri="{FF2B5EF4-FFF2-40B4-BE49-F238E27FC236}">
-                <a16:creationId xmlns:a16="http://schemas.microsoft.com/office/drawing/2014/main" id="{CF0490F2-C44C-EAB9-AB50-077CD31CD62E}"/>
+                <a16:creationId xmlns:a16="http://schemas.microsoft.com/office/drawing/2014/main" id="{5F473880-4F0A-9F04-8E38-2AF964F0CDC8}"/>
               </a:ext>
             </a:extLst>
           </p:cNvPr>
@@ -1434,7 +1434,7 @@
           <p:cNvPr id="7" name="灯片编号占位符 6">
             <a:extLst>
               <a:ext uri="{FF2B5EF4-FFF2-40B4-BE49-F238E27FC236}">
-                <a16:creationId xmlns:a16="http://schemas.microsoft.com/office/drawing/2014/main" id="{AB0244A6-B038-8867-3C2F-159A68765EEE}"/>
+                <a16:creationId xmlns:a16="http://schemas.microsoft.com/office/drawing/2014/main" id="{030509EE-5228-2E6D-6729-214ABD9F50A4}"/>
               </a:ext>
             </a:extLst>
           </p:cNvPr>
@@ -1450,7 +1450,7 @@
           <a:bodyPr/>
           <a:lstStyle/>
           <a:p>
-            <a:fld id="{21E4CAB5-117D-4416-AA7E-86ED5E6BA50F}" type="slidenum">
+            <a:fld id="{8246D280-2691-4FE7-820E-1F6062C7DD9D}" type="slidenum">
               <a:rPr lang="zh-CN" altLang="en-US" smtClean="0"/>
               <a:t>‹#›</a:t>
             </a:fld>
@@ -1461,7 +1461,7 @@
     </p:spTree>
     <p:extLst>
       <p:ext uri="{BB962C8B-B14F-4D97-AF65-F5344CB8AC3E}">
-        <p14:creationId xmlns:p14="http://schemas.microsoft.com/office/powerpoint/2010/main" val="4139697473"/>
+        <p14:creationId xmlns:p14="http://schemas.microsoft.com/office/powerpoint/2010/main" val="2581177016"/>
       </p:ext>
     </p:extLst>
   </p:cSld>
@@ -1493,7 +1493,7 @@
           <p:cNvPr id="2" name="标题 1">
             <a:extLst>
               <a:ext uri="{FF2B5EF4-FFF2-40B4-BE49-F238E27FC236}">
-                <a16:creationId xmlns:a16="http://schemas.microsoft.com/office/drawing/2014/main" id="{8FE2EF73-67AC-DA1D-4312-A349FDD98BFE}"/>
+                <a16:creationId xmlns:a16="http://schemas.microsoft.com/office/drawing/2014/main" id="{55263F50-CEEA-511D-C284-72C5A6450BFD}"/>
               </a:ext>
             </a:extLst>
           </p:cNvPr>
@@ -1526,7 +1526,7 @@
           <p:cNvPr id="3" name="文本占位符 2">
             <a:extLst>
               <a:ext uri="{FF2B5EF4-FFF2-40B4-BE49-F238E27FC236}">
-                <a16:creationId xmlns:a16="http://schemas.microsoft.com/office/drawing/2014/main" id="{8B37A0BA-DFEB-FCCD-D820-C5D54840A566}"/>
+                <a16:creationId xmlns:a16="http://schemas.microsoft.com/office/drawing/2014/main" id="{E7589716-D2FF-9B66-A38C-A1013DD696CC}"/>
               </a:ext>
             </a:extLst>
           </p:cNvPr>
@@ -1597,7 +1597,7 @@
           <p:cNvPr id="4" name="内容占位符 3">
             <a:extLst>
               <a:ext uri="{FF2B5EF4-FFF2-40B4-BE49-F238E27FC236}">
-                <a16:creationId xmlns:a16="http://schemas.microsoft.com/office/drawing/2014/main" id="{6DC086FE-530B-E334-CCE8-7F2534077535}"/>
+                <a16:creationId xmlns:a16="http://schemas.microsoft.com/office/drawing/2014/main" id="{CB6235FB-1E85-3A9C-71D4-8A3A2A267A96}"/>
               </a:ext>
             </a:extLst>
           </p:cNvPr>
@@ -1659,7 +1659,7 @@
           <p:cNvPr id="5" name="文本占位符 4">
             <a:extLst>
               <a:ext uri="{FF2B5EF4-FFF2-40B4-BE49-F238E27FC236}">
-                <a16:creationId xmlns:a16="http://schemas.microsoft.com/office/drawing/2014/main" id="{D8FDA4F9-5753-FC8A-76C5-D60DE708CD78}"/>
+                <a16:creationId xmlns:a16="http://schemas.microsoft.com/office/drawing/2014/main" id="{419D8D06-0805-DCAE-B016-964CDCC870AA}"/>
               </a:ext>
             </a:extLst>
           </p:cNvPr>
@@ -1730,7 +1730,7 @@
           <p:cNvPr id="6" name="内容占位符 5">
             <a:extLst>
               <a:ext uri="{FF2B5EF4-FFF2-40B4-BE49-F238E27FC236}">
-                <a16:creationId xmlns:a16="http://schemas.microsoft.com/office/drawing/2014/main" id="{92047C90-F12E-2994-254E-6B7E37A1B518}"/>
+                <a16:creationId xmlns:a16="http://schemas.microsoft.com/office/drawing/2014/main" id="{CC5604D2-5D2C-28E2-5098-E80D88F38726}"/>
               </a:ext>
             </a:extLst>
           </p:cNvPr>
@@ -1792,7 +1792,7 @@
           <p:cNvPr id="7" name="日期占位符 6">
             <a:extLst>
               <a:ext uri="{FF2B5EF4-FFF2-40B4-BE49-F238E27FC236}">
-                <a16:creationId xmlns:a16="http://schemas.microsoft.com/office/drawing/2014/main" id="{17EB4D56-90EB-E686-0B8C-2D0EF76BDED5}"/>
+                <a16:creationId xmlns:a16="http://schemas.microsoft.com/office/drawing/2014/main" id="{7A031352-8169-7E39-379B-9D09936214C2}"/>
               </a:ext>
             </a:extLst>
           </p:cNvPr>
@@ -1808,7 +1808,7 @@
           <a:bodyPr/>
           <a:lstStyle/>
           <a:p>
-            <a:fld id="{0F6E59EC-6437-4B61-9338-DFA6B1684E34}" type="datetimeFigureOut">
+            <a:fld id="{D7424BF4-61CA-4629-B34C-52E3A6419D1F}" type="datetimeFigureOut">
               <a:rPr lang="zh-CN" altLang="en-US" smtClean="0"/>
               <a:t>2024/3/10</a:t>
             </a:fld>
@@ -1821,7 +1821,7 @@
           <p:cNvPr id="8" name="页脚占位符 7">
             <a:extLst>
               <a:ext uri="{FF2B5EF4-FFF2-40B4-BE49-F238E27FC236}">
-                <a16:creationId xmlns:a16="http://schemas.microsoft.com/office/drawing/2014/main" id="{23947750-7876-0DA1-E311-178DC954FC27}"/>
+                <a16:creationId xmlns:a16="http://schemas.microsoft.com/office/drawing/2014/main" id="{04A33D4B-C52F-A325-ED94-2FD3681EFEA6}"/>
               </a:ext>
             </a:extLst>
           </p:cNvPr>
@@ -1846,7 +1846,7 @@
           <p:cNvPr id="9" name="灯片编号占位符 8">
             <a:extLst>
               <a:ext uri="{FF2B5EF4-FFF2-40B4-BE49-F238E27FC236}">
-                <a16:creationId xmlns:a16="http://schemas.microsoft.com/office/drawing/2014/main" id="{C56114DD-CB55-2F9E-D4FB-3DD5425E20B5}"/>
+                <a16:creationId xmlns:a16="http://schemas.microsoft.com/office/drawing/2014/main" id="{387DF37C-AACC-F06C-66F0-D8AD9E13601B}"/>
               </a:ext>
             </a:extLst>
           </p:cNvPr>
@@ -1862,7 +1862,7 @@
           <a:bodyPr/>
           <a:lstStyle/>
           <a:p>
-            <a:fld id="{21E4CAB5-117D-4416-AA7E-86ED5E6BA50F}" type="slidenum">
+            <a:fld id="{8246D280-2691-4FE7-820E-1F6062C7DD9D}" type="slidenum">
               <a:rPr lang="zh-CN" altLang="en-US" smtClean="0"/>
               <a:t>‹#›</a:t>
             </a:fld>
@@ -1873,7 +1873,7 @@
     </p:spTree>
     <p:extLst>
       <p:ext uri="{BB962C8B-B14F-4D97-AF65-F5344CB8AC3E}">
-        <p14:creationId xmlns:p14="http://schemas.microsoft.com/office/powerpoint/2010/main" val="1290036076"/>
+        <p14:creationId xmlns:p14="http://schemas.microsoft.com/office/powerpoint/2010/main" val="745834157"/>
       </p:ext>
     </p:extLst>
   </p:cSld>
@@ -1905,7 +1905,7 @@
           <p:cNvPr id="2" name="标题 1">
             <a:extLst>
               <a:ext uri="{FF2B5EF4-FFF2-40B4-BE49-F238E27FC236}">
-                <a16:creationId xmlns:a16="http://schemas.microsoft.com/office/drawing/2014/main" id="{24DAD349-F3B6-CD0F-AC1E-888C2266E47B}"/>
+                <a16:creationId xmlns:a16="http://schemas.microsoft.com/office/drawing/2014/main" id="{ABBFA24C-2CC8-738F-0DEF-F8A96B13EBCB}"/>
               </a:ext>
             </a:extLst>
           </p:cNvPr>
@@ -1933,7 +1933,7 @@
           <p:cNvPr id="3" name="日期占位符 2">
             <a:extLst>
               <a:ext uri="{FF2B5EF4-FFF2-40B4-BE49-F238E27FC236}">
-                <a16:creationId xmlns:a16="http://schemas.microsoft.com/office/drawing/2014/main" id="{D50BAD5D-70A3-00EE-337F-AF5AB8C6364C}"/>
+                <a16:creationId xmlns:a16="http://schemas.microsoft.com/office/drawing/2014/main" id="{EC4B7791-5B94-3DFD-A1A6-A9273D80BB03}"/>
               </a:ext>
             </a:extLst>
           </p:cNvPr>
@@ -1949,7 +1949,7 @@
           <a:bodyPr/>
           <a:lstStyle/>
           <a:p>
-            <a:fld id="{0F6E59EC-6437-4B61-9338-DFA6B1684E34}" type="datetimeFigureOut">
+            <a:fld id="{D7424BF4-61CA-4629-B34C-52E3A6419D1F}" type="datetimeFigureOut">
               <a:rPr lang="zh-CN" altLang="en-US" smtClean="0"/>
               <a:t>2024/3/10</a:t>
             </a:fld>
@@ -1962,7 +1962,7 @@
           <p:cNvPr id="4" name="页脚占位符 3">
             <a:extLst>
               <a:ext uri="{FF2B5EF4-FFF2-40B4-BE49-F238E27FC236}">
-                <a16:creationId xmlns:a16="http://schemas.microsoft.com/office/drawing/2014/main" id="{AB550BF4-0EB9-C250-1996-9FAE0C605273}"/>
+                <a16:creationId xmlns:a16="http://schemas.microsoft.com/office/drawing/2014/main" id="{62169EE5-4E07-1CDE-07AF-95FA0CB876EA}"/>
               </a:ext>
             </a:extLst>
           </p:cNvPr>
@@ -1987,7 +1987,7 @@
           <p:cNvPr id="5" name="灯片编号占位符 4">
             <a:extLst>
               <a:ext uri="{FF2B5EF4-FFF2-40B4-BE49-F238E27FC236}">
-                <a16:creationId xmlns:a16="http://schemas.microsoft.com/office/drawing/2014/main" id="{FC4F4987-CB51-A292-A41B-2F6DB8574E08}"/>
+                <a16:creationId xmlns:a16="http://schemas.microsoft.com/office/drawing/2014/main" id="{0E37F550-43BF-C3BE-1842-06F22E250126}"/>
               </a:ext>
             </a:extLst>
           </p:cNvPr>
@@ -2003,7 +2003,7 @@
           <a:bodyPr/>
           <a:lstStyle/>
           <a:p>
-            <a:fld id="{21E4CAB5-117D-4416-AA7E-86ED5E6BA50F}" type="slidenum">
+            <a:fld id="{8246D280-2691-4FE7-820E-1F6062C7DD9D}" type="slidenum">
               <a:rPr lang="zh-CN" altLang="en-US" smtClean="0"/>
               <a:t>‹#›</a:t>
             </a:fld>
@@ -2014,7 +2014,7 @@
     </p:spTree>
     <p:extLst>
       <p:ext uri="{BB962C8B-B14F-4D97-AF65-F5344CB8AC3E}">
-        <p14:creationId xmlns:p14="http://schemas.microsoft.com/office/powerpoint/2010/main" val="346578565"/>
+        <p14:creationId xmlns:p14="http://schemas.microsoft.com/office/powerpoint/2010/main" val="1078775370"/>
       </p:ext>
     </p:extLst>
   </p:cSld>
@@ -2046,7 +2046,7 @@
           <p:cNvPr id="2" name="日期占位符 1">
             <a:extLst>
               <a:ext uri="{FF2B5EF4-FFF2-40B4-BE49-F238E27FC236}">
-                <a16:creationId xmlns:a16="http://schemas.microsoft.com/office/drawing/2014/main" id="{A1E4CACB-482C-2C42-C5D3-4F3786FF513B}"/>
+                <a16:creationId xmlns:a16="http://schemas.microsoft.com/office/drawing/2014/main" id="{1C99544F-F441-2A2B-91C7-7D05BEEE1FA9}"/>
               </a:ext>
             </a:extLst>
           </p:cNvPr>
@@ -2062,7 +2062,7 @@
           <a:bodyPr/>
           <a:lstStyle/>
           <a:p>
-            <a:fld id="{0F6E59EC-6437-4B61-9338-DFA6B1684E34}" type="datetimeFigureOut">
+            <a:fld id="{D7424BF4-61CA-4629-B34C-52E3A6419D1F}" type="datetimeFigureOut">
               <a:rPr lang="zh-CN" altLang="en-US" smtClean="0"/>
               <a:t>2024/3/10</a:t>
             </a:fld>
@@ -2075,7 +2075,7 @@
           <p:cNvPr id="3" name="页脚占位符 2">
             <a:extLst>
               <a:ext uri="{FF2B5EF4-FFF2-40B4-BE49-F238E27FC236}">
-                <a16:creationId xmlns:a16="http://schemas.microsoft.com/office/drawing/2014/main" id="{FC94E102-6AC6-5A80-8606-184804408F7A}"/>
+                <a16:creationId xmlns:a16="http://schemas.microsoft.com/office/drawing/2014/main" id="{DBFF07C9-59EC-3644-8485-FF5375F856E4}"/>
               </a:ext>
             </a:extLst>
           </p:cNvPr>
@@ -2100,7 +2100,7 @@
           <p:cNvPr id="4" name="灯片编号占位符 3">
             <a:extLst>
               <a:ext uri="{FF2B5EF4-FFF2-40B4-BE49-F238E27FC236}">
-                <a16:creationId xmlns:a16="http://schemas.microsoft.com/office/drawing/2014/main" id="{B81DFDDF-9703-B7E6-1A35-A01C83C85290}"/>
+                <a16:creationId xmlns:a16="http://schemas.microsoft.com/office/drawing/2014/main" id="{8E4E7195-2ECA-94FA-1343-C7E159631A72}"/>
               </a:ext>
             </a:extLst>
           </p:cNvPr>
@@ -2116,7 +2116,7 @@
           <a:bodyPr/>
           <a:lstStyle/>
           <a:p>
-            <a:fld id="{21E4CAB5-117D-4416-AA7E-86ED5E6BA50F}" type="slidenum">
+            <a:fld id="{8246D280-2691-4FE7-820E-1F6062C7DD9D}" type="slidenum">
               <a:rPr lang="zh-CN" altLang="en-US" smtClean="0"/>
               <a:t>‹#›</a:t>
             </a:fld>
@@ -2127,7 +2127,7 @@
     </p:spTree>
     <p:extLst>
       <p:ext uri="{BB962C8B-B14F-4D97-AF65-F5344CB8AC3E}">
-        <p14:creationId xmlns:p14="http://schemas.microsoft.com/office/powerpoint/2010/main" val="2450846170"/>
+        <p14:creationId xmlns:p14="http://schemas.microsoft.com/office/powerpoint/2010/main" val="745923643"/>
       </p:ext>
     </p:extLst>
   </p:cSld>
@@ -2159,7 +2159,7 @@
           <p:cNvPr id="2" name="标题 1">
             <a:extLst>
               <a:ext uri="{FF2B5EF4-FFF2-40B4-BE49-F238E27FC236}">
-                <a16:creationId xmlns:a16="http://schemas.microsoft.com/office/drawing/2014/main" id="{C953AD13-11F1-AE3E-D58C-28EDB8CF58A7}"/>
+                <a16:creationId xmlns:a16="http://schemas.microsoft.com/office/drawing/2014/main" id="{B72C8ABB-FEAB-8607-43A5-8983C929BF89}"/>
               </a:ext>
             </a:extLst>
           </p:cNvPr>
@@ -2196,7 +2196,7 @@
           <p:cNvPr id="3" name="内容占位符 2">
             <a:extLst>
               <a:ext uri="{FF2B5EF4-FFF2-40B4-BE49-F238E27FC236}">
-                <a16:creationId xmlns:a16="http://schemas.microsoft.com/office/drawing/2014/main" id="{2EE6E804-36BE-56DA-5C15-78139CEC0B8C}"/>
+                <a16:creationId xmlns:a16="http://schemas.microsoft.com/office/drawing/2014/main" id="{84530D25-0EE0-CF3B-B19F-560AE2B9768F}"/>
               </a:ext>
             </a:extLst>
           </p:cNvPr>
@@ -2286,7 +2286,7 @@
           <p:cNvPr id="4" name="文本占位符 3">
             <a:extLst>
               <a:ext uri="{FF2B5EF4-FFF2-40B4-BE49-F238E27FC236}">
-                <a16:creationId xmlns:a16="http://schemas.microsoft.com/office/drawing/2014/main" id="{DBC226E6-A274-148E-594A-073FE5A1FDB6}"/>
+                <a16:creationId xmlns:a16="http://schemas.microsoft.com/office/drawing/2014/main" id="{F93AE239-6F80-B1C5-4868-3340C00C8DE6}"/>
               </a:ext>
             </a:extLst>
           </p:cNvPr>
@@ -2357,7 +2357,7 @@
           <p:cNvPr id="5" name="日期占位符 4">
             <a:extLst>
               <a:ext uri="{FF2B5EF4-FFF2-40B4-BE49-F238E27FC236}">
-                <a16:creationId xmlns:a16="http://schemas.microsoft.com/office/drawing/2014/main" id="{F0DD3DD7-E050-C7D8-B1F0-1D867E3CD7E7}"/>
+                <a16:creationId xmlns:a16="http://schemas.microsoft.com/office/drawing/2014/main" id="{EE156B45-8FB5-97FD-FE88-B1BFC908D183}"/>
               </a:ext>
             </a:extLst>
           </p:cNvPr>
@@ -2373,7 +2373,7 @@
           <a:bodyPr/>
           <a:lstStyle/>
           <a:p>
-            <a:fld id="{0F6E59EC-6437-4B61-9338-DFA6B1684E34}" type="datetimeFigureOut">
+            <a:fld id="{D7424BF4-61CA-4629-B34C-52E3A6419D1F}" type="datetimeFigureOut">
               <a:rPr lang="zh-CN" altLang="en-US" smtClean="0"/>
               <a:t>2024/3/10</a:t>
             </a:fld>
@@ -2386,7 +2386,7 @@
           <p:cNvPr id="6" name="页脚占位符 5">
             <a:extLst>
               <a:ext uri="{FF2B5EF4-FFF2-40B4-BE49-F238E27FC236}">
-                <a16:creationId xmlns:a16="http://schemas.microsoft.com/office/drawing/2014/main" id="{30E0457B-8FA7-88A4-21A0-D152EB68515F}"/>
+                <a16:creationId xmlns:a16="http://schemas.microsoft.com/office/drawing/2014/main" id="{B3AD0640-4C75-169A-A4DC-2784B95B7E25}"/>
               </a:ext>
             </a:extLst>
           </p:cNvPr>
@@ -2411,7 +2411,7 @@
           <p:cNvPr id="7" name="灯片编号占位符 6">
             <a:extLst>
               <a:ext uri="{FF2B5EF4-FFF2-40B4-BE49-F238E27FC236}">
-                <a16:creationId xmlns:a16="http://schemas.microsoft.com/office/drawing/2014/main" id="{C67E5D66-27F2-E317-9F53-956A8EBBEDBE}"/>
+                <a16:creationId xmlns:a16="http://schemas.microsoft.com/office/drawing/2014/main" id="{61792CFF-060F-3BC1-4528-7F938D29037C}"/>
               </a:ext>
             </a:extLst>
           </p:cNvPr>
@@ -2427,7 +2427,7 @@
           <a:bodyPr/>
           <a:lstStyle/>
           <a:p>
-            <a:fld id="{21E4CAB5-117D-4416-AA7E-86ED5E6BA50F}" type="slidenum">
+            <a:fld id="{8246D280-2691-4FE7-820E-1F6062C7DD9D}" type="slidenum">
               <a:rPr lang="zh-CN" altLang="en-US" smtClean="0"/>
               <a:t>‹#›</a:t>
             </a:fld>
@@ -2438,7 +2438,7 @@
     </p:spTree>
     <p:extLst>
       <p:ext uri="{BB962C8B-B14F-4D97-AF65-F5344CB8AC3E}">
-        <p14:creationId xmlns:p14="http://schemas.microsoft.com/office/powerpoint/2010/main" val="3021330747"/>
+        <p14:creationId xmlns:p14="http://schemas.microsoft.com/office/powerpoint/2010/main" val="1254783091"/>
       </p:ext>
     </p:extLst>
   </p:cSld>
@@ -2470,7 +2470,7 @@
           <p:cNvPr id="2" name="标题 1">
             <a:extLst>
               <a:ext uri="{FF2B5EF4-FFF2-40B4-BE49-F238E27FC236}">
-                <a16:creationId xmlns:a16="http://schemas.microsoft.com/office/drawing/2014/main" id="{374147F3-09EA-E410-996E-1E018B2A5EA4}"/>
+                <a16:creationId xmlns:a16="http://schemas.microsoft.com/office/drawing/2014/main" id="{CC0B3206-F937-8CB0-C4F3-BBC6C73339F7}"/>
               </a:ext>
             </a:extLst>
           </p:cNvPr>
@@ -2507,7 +2507,7 @@
           <p:cNvPr id="3" name="图片占位符 2">
             <a:extLst>
               <a:ext uri="{FF2B5EF4-FFF2-40B4-BE49-F238E27FC236}">
-                <a16:creationId xmlns:a16="http://schemas.microsoft.com/office/drawing/2014/main" id="{8DFE58C3-1735-822D-5412-7969CA692BEA}"/>
+                <a16:creationId xmlns:a16="http://schemas.microsoft.com/office/drawing/2014/main" id="{AD98478A-D451-3E40-D29A-72371E7CAFAD}"/>
               </a:ext>
             </a:extLst>
           </p:cNvPr>
@@ -2574,7 +2574,7 @@
           <p:cNvPr id="4" name="文本占位符 3">
             <a:extLst>
               <a:ext uri="{FF2B5EF4-FFF2-40B4-BE49-F238E27FC236}">
-                <a16:creationId xmlns:a16="http://schemas.microsoft.com/office/drawing/2014/main" id="{296485A4-244F-DAB3-29AC-12D4D99E8BE3}"/>
+                <a16:creationId xmlns:a16="http://schemas.microsoft.com/office/drawing/2014/main" id="{0A652C6C-87F7-5068-7329-ECD18E878E93}"/>
               </a:ext>
             </a:extLst>
           </p:cNvPr>
@@ -2645,7 +2645,7 @@
           <p:cNvPr id="5" name="日期占位符 4">
             <a:extLst>
               <a:ext uri="{FF2B5EF4-FFF2-40B4-BE49-F238E27FC236}">
-                <a16:creationId xmlns:a16="http://schemas.microsoft.com/office/drawing/2014/main" id="{625490F1-F229-89B3-3EA7-E7F99AFE7F7F}"/>
+                <a16:creationId xmlns:a16="http://schemas.microsoft.com/office/drawing/2014/main" id="{7177C4CF-6A76-1DCC-67BE-DCD9A5BB63EE}"/>
               </a:ext>
             </a:extLst>
           </p:cNvPr>
@@ -2661,7 +2661,7 @@
           <a:bodyPr/>
           <a:lstStyle/>
           <a:p>
-            <a:fld id="{0F6E59EC-6437-4B61-9338-DFA6B1684E34}" type="datetimeFigureOut">
+            <a:fld id="{D7424BF4-61CA-4629-B34C-52E3A6419D1F}" type="datetimeFigureOut">
               <a:rPr lang="zh-CN" altLang="en-US" smtClean="0"/>
               <a:t>2024/3/10</a:t>
             </a:fld>
@@ -2674,7 +2674,7 @@
           <p:cNvPr id="6" name="页脚占位符 5">
             <a:extLst>
               <a:ext uri="{FF2B5EF4-FFF2-40B4-BE49-F238E27FC236}">
-                <a16:creationId xmlns:a16="http://schemas.microsoft.com/office/drawing/2014/main" id="{EFB20BCE-8E2A-42AF-CCDB-BBF10E7BAC39}"/>
+                <a16:creationId xmlns:a16="http://schemas.microsoft.com/office/drawing/2014/main" id="{CEF79B10-96FF-8BA6-5DA8-469F8CEC9F80}"/>
               </a:ext>
             </a:extLst>
           </p:cNvPr>
@@ -2699,7 +2699,7 @@
           <p:cNvPr id="7" name="灯片编号占位符 6">
             <a:extLst>
               <a:ext uri="{FF2B5EF4-FFF2-40B4-BE49-F238E27FC236}">
-                <a16:creationId xmlns:a16="http://schemas.microsoft.com/office/drawing/2014/main" id="{2A2A0BF9-B258-E587-E40D-224305D1A33F}"/>
+                <a16:creationId xmlns:a16="http://schemas.microsoft.com/office/drawing/2014/main" id="{413B38F0-AD85-955E-A45C-DCCDEEDC8CD4}"/>
               </a:ext>
             </a:extLst>
           </p:cNvPr>
@@ -2715,7 +2715,7 @@
           <a:bodyPr/>
           <a:lstStyle/>
           <a:p>
-            <a:fld id="{21E4CAB5-117D-4416-AA7E-86ED5E6BA50F}" type="slidenum">
+            <a:fld id="{8246D280-2691-4FE7-820E-1F6062C7DD9D}" type="slidenum">
               <a:rPr lang="zh-CN" altLang="en-US" smtClean="0"/>
               <a:t>‹#›</a:t>
             </a:fld>
@@ -2726,7 +2726,7 @@
     </p:spTree>
     <p:extLst>
       <p:ext uri="{BB962C8B-B14F-4D97-AF65-F5344CB8AC3E}">
-        <p14:creationId xmlns:p14="http://schemas.microsoft.com/office/powerpoint/2010/main" val="1426866642"/>
+        <p14:creationId xmlns:p14="http://schemas.microsoft.com/office/powerpoint/2010/main" val="1030971169"/>
       </p:ext>
     </p:extLst>
   </p:cSld>
@@ -2763,7 +2763,7 @@
           <p:cNvPr id="2" name="标题占位符 1">
             <a:extLst>
               <a:ext uri="{FF2B5EF4-FFF2-40B4-BE49-F238E27FC236}">
-                <a16:creationId xmlns:a16="http://schemas.microsoft.com/office/drawing/2014/main" id="{B6082FCE-34E6-46E8-41E1-F1B8ADC1DCD5}"/>
+                <a16:creationId xmlns:a16="http://schemas.microsoft.com/office/drawing/2014/main" id="{C68EB108-579E-663A-3246-63AB8D81CE8B}"/>
               </a:ext>
             </a:extLst>
           </p:cNvPr>
@@ -2801,7 +2801,7 @@
           <p:cNvPr id="3" name="文本占位符 2">
             <a:extLst>
               <a:ext uri="{FF2B5EF4-FFF2-40B4-BE49-F238E27FC236}">
-                <a16:creationId xmlns:a16="http://schemas.microsoft.com/office/drawing/2014/main" id="{BE9CEAF4-657D-F21E-A321-5EA11BBD640F}"/>
+                <a16:creationId xmlns:a16="http://schemas.microsoft.com/office/drawing/2014/main" id="{D2055CD8-70B0-5178-8D01-02B2D4C9ED20}"/>
               </a:ext>
             </a:extLst>
           </p:cNvPr>
@@ -2868,7 +2868,7 @@
           <p:cNvPr id="4" name="日期占位符 3">
             <a:extLst>
               <a:ext uri="{FF2B5EF4-FFF2-40B4-BE49-F238E27FC236}">
-                <a16:creationId xmlns:a16="http://schemas.microsoft.com/office/drawing/2014/main" id="{B306915F-5F67-155F-0E97-FB9E324D3EBB}"/>
+                <a16:creationId xmlns:a16="http://schemas.microsoft.com/office/drawing/2014/main" id="{E7F5A362-402E-E823-B8C9-F6B9976B3F8A}"/>
               </a:ext>
             </a:extLst>
           </p:cNvPr>
@@ -2902,7 +2902,7 @@
             </a:lvl1pPr>
           </a:lstStyle>
           <a:p>
-            <a:fld id="{0F6E59EC-6437-4B61-9338-DFA6B1684E34}" type="datetimeFigureOut">
+            <a:fld id="{D7424BF4-61CA-4629-B34C-52E3A6419D1F}" type="datetimeFigureOut">
               <a:rPr lang="zh-CN" altLang="en-US" smtClean="0"/>
               <a:t>2024/3/10</a:t>
             </a:fld>
@@ -2915,7 +2915,7 @@
           <p:cNvPr id="5" name="页脚占位符 4">
             <a:extLst>
               <a:ext uri="{FF2B5EF4-FFF2-40B4-BE49-F238E27FC236}">
-                <a16:creationId xmlns:a16="http://schemas.microsoft.com/office/drawing/2014/main" id="{F3C58BB4-89B0-B70A-4350-13513AA71623}"/>
+                <a16:creationId xmlns:a16="http://schemas.microsoft.com/office/drawing/2014/main" id="{03CDA27C-62B6-9C5D-3022-4C7CCCDD15DB}"/>
               </a:ext>
             </a:extLst>
           </p:cNvPr>
@@ -2958,7 +2958,7 @@
           <p:cNvPr id="6" name="灯片编号占位符 5">
             <a:extLst>
               <a:ext uri="{FF2B5EF4-FFF2-40B4-BE49-F238E27FC236}">
-                <a16:creationId xmlns:a16="http://schemas.microsoft.com/office/drawing/2014/main" id="{01672983-90EC-9539-D05D-31F57B769872}"/>
+                <a16:creationId xmlns:a16="http://schemas.microsoft.com/office/drawing/2014/main" id="{40F1F2AE-F8E9-4FD7-DEFC-D6AC74ED91B0}"/>
               </a:ext>
             </a:extLst>
           </p:cNvPr>
@@ -2992,7 +2992,7 @@
             </a:lvl1pPr>
           </a:lstStyle>
           <a:p>
-            <a:fld id="{21E4CAB5-117D-4416-AA7E-86ED5E6BA50F}" type="slidenum">
+            <a:fld id="{8246D280-2691-4FE7-820E-1F6062C7DD9D}" type="slidenum">
               <a:rPr lang="zh-CN" altLang="en-US" smtClean="0"/>
               <a:t>‹#›</a:t>
             </a:fld>
@@ -3003,7 +3003,7 @@
     </p:spTree>
     <p:extLst>
       <p:ext uri="{BB962C8B-B14F-4D97-AF65-F5344CB8AC3E}">
-        <p14:creationId xmlns:p14="http://schemas.microsoft.com/office/powerpoint/2010/main" val="4125822966"/>
+        <p14:creationId xmlns:p14="http://schemas.microsoft.com/office/powerpoint/2010/main" val="1612190545"/>
       </p:ext>
     </p:extLst>
   </p:cSld>
@@ -3323,7 +3323,7 @@
       </p:grpSpPr>
       <p:pic>
         <p:nvPicPr>
-          <p:cNvPr id="160770" name="Picture 2" descr="156"/>
+          <p:cNvPr id="161794" name="Picture 2" descr="157"/>
           <p:cNvPicPr>
             <a:picLocks noChangeAspect="1" noChangeArrowheads="1"/>
           </p:cNvPicPr>
@@ -3345,7 +3345,7 @@
         <p:spPr bwMode="auto">
           <a:xfrm>
             <a:off x="1524000" y="0"/>
-            <a:ext cx="9144000" cy="6858000"/>
+            <a:ext cx="9144000" cy="6859588"/>
           </a:xfrm>
           <a:prstGeom prst="rect">
             <a:avLst/>
@@ -3375,11 +3375,158 @@
           </a:extLst>
         </p:spPr>
       </p:pic>
+      <p:pic>
+        <p:nvPicPr>
+          <p:cNvPr id="162819" name="Picture 3" descr="157-2"/>
+          <p:cNvPicPr>
+            <a:picLocks noChangeAspect="1" noChangeArrowheads="1"/>
+          </p:cNvPicPr>
+          <p:nvPr/>
+        </p:nvPicPr>
+        <p:blipFill>
+          <a:blip r:embed="rId3">
+            <a:extLst>
+              <a:ext uri="{28A0092B-C50C-407E-A947-70E740481C1C}">
+                <a14:useLocalDpi xmlns:a14="http://schemas.microsoft.com/office/drawing/2010/main" val="0"/>
+              </a:ext>
+            </a:extLst>
+          </a:blip>
+          <a:srcRect/>
+          <a:stretch>
+            <a:fillRect/>
+          </a:stretch>
+        </p:blipFill>
+        <p:spPr bwMode="auto">
+          <a:xfrm>
+            <a:off x="1524000" y="0"/>
+            <a:ext cx="9144000" cy="6858000"/>
+          </a:xfrm>
+          <a:prstGeom prst="rect">
+            <a:avLst/>
+          </a:prstGeom>
+          <a:noFill/>
+          <a:ln>
+            <a:noFill/>
+          </a:ln>
+          <a:effectLst/>
+          <a:extLst>
+            <a:ext uri="{909E8E84-426E-40DD-AFC4-6F175D3DCCD1}">
+              <a14:hiddenFill xmlns:a14="http://schemas.microsoft.com/office/drawing/2010/main">
+                <a:solidFill>
+                  <a:srgbClr val="FFFFFF"/>
+                </a:solidFill>
+              </a14:hiddenFill>
+            </a:ext>
+            <a:ext uri="{91240B29-F687-4F45-9708-019B960494DF}">
+              <a14:hiddenLine xmlns:a14="http://schemas.microsoft.com/office/drawing/2010/main" w="9525">
+                <a:solidFill>
+                  <a:srgbClr val="000000"/>
+                </a:solidFill>
+                <a:miter lim="800000"/>
+                <a:headEnd/>
+                <a:tailEnd/>
+              </a14:hiddenLine>
+            </a:ext>
+            <a:ext uri="{AF507438-7753-43E0-B8FC-AC1667EBCBE1}">
+              <a14:hiddenEffects xmlns:a14="http://schemas.microsoft.com/office/drawing/2010/main">
+                <a:effectLst>
+                  <a:outerShdw dist="35921" dir="2700000" algn="ctr" rotWithShape="0">
+                    <a:srgbClr val="808080"/>
+                  </a:outerShdw>
+                </a:effectLst>
+              </a14:hiddenEffects>
+            </a:ext>
+          </a:extLst>
+        </p:spPr>
+      </p:pic>
     </p:spTree>
   </p:cSld>
   <p:clrMapOvr>
     <a:masterClrMapping/>
   </p:clrMapOvr>
+  <p:timing>
+    <p:tnLst>
+      <p:par>
+        <p:cTn id="1" dur="indefinite" restart="never" nodeType="tmRoot">
+          <p:childTnLst>
+            <p:seq concurrent="1" nextAc="seek">
+              <p:cTn id="2" dur="indefinite" nodeType="mainSeq">
+                <p:childTnLst>
+                  <p:par>
+                    <p:cTn id="3" fill="hold" nodeType="clickPar">
+                      <p:stCondLst>
+                        <p:cond delay="indefinite"/>
+                      </p:stCondLst>
+                      <p:childTnLst>
+                        <p:par>
+                          <p:cTn id="4" fill="hold" nodeType="withGroup">
+                            <p:stCondLst>
+                              <p:cond delay="0"/>
+                            </p:stCondLst>
+                            <p:childTnLst>
+                              <p:par>
+                                <p:cTn id="5" presetID="10" presetClass="entr" presetSubtype="0" fill="hold" nodeType="clickEffect">
+                                  <p:stCondLst>
+                                    <p:cond delay="0"/>
+                                  </p:stCondLst>
+                                  <p:childTnLst>
+                                    <p:set>
+                                      <p:cBhvr>
+                                        <p:cTn id="6" dur="1" fill="hold">
+                                          <p:stCondLst>
+                                            <p:cond delay="0"/>
+                                          </p:stCondLst>
+                                        </p:cTn>
+                                        <p:tgtEl>
+                                          <p:spTgt spid="162819"/>
+                                        </p:tgtEl>
+                                        <p:attrNameLst>
+                                          <p:attrName>style.visibility</p:attrName>
+                                        </p:attrNameLst>
+                                      </p:cBhvr>
+                                      <p:to>
+                                        <p:strVal val="visible"/>
+                                      </p:to>
+                                    </p:set>
+                                    <p:animEffect transition="in" filter="fade">
+                                      <p:cBhvr>
+                                        <p:cTn id="7" dur="500"/>
+                                        <p:tgtEl>
+                                          <p:spTgt spid="162819"/>
+                                        </p:tgtEl>
+                                      </p:cBhvr>
+                                    </p:animEffect>
+                                  </p:childTnLst>
+                                </p:cTn>
+                              </p:par>
+                            </p:childTnLst>
+                          </p:cTn>
+                        </p:par>
+                      </p:childTnLst>
+                    </p:cTn>
+                  </p:par>
+                </p:childTnLst>
+              </p:cTn>
+              <p:prevCondLst>
+                <p:cond evt="onPrev" delay="0">
+                  <p:tgtEl>
+                    <p:sldTgt/>
+                  </p:tgtEl>
+                </p:cond>
+              </p:prevCondLst>
+              <p:nextCondLst>
+                <p:cond evt="onNext" delay="0">
+                  <p:tgtEl>
+                    <p:sldTgt/>
+                  </p:tgtEl>
+                </p:cond>
+              </p:nextCondLst>
+            </p:seq>
+          </p:childTnLst>
+        </p:cTn>
+      </p:par>
+    </p:tnLst>
+  </p:timing>
 </p:sld>
 </file>
 
